--- a/Documents/Embrasure Pitch Presentation.pptx
+++ b/Documents/Embrasure Pitch Presentation.pptx
@@ -10,6 +10,7 @@
     <p:sldId id="257" r:id="rId4"/>
     <p:sldId id="258" r:id="rId5"/>
     <p:sldId id="259" r:id="rId6"/>
+    <p:sldId id="261" r:id="rId7"/>
   </p:sldIdLst>
   <p:sldSz cx="9144000" cy="6858000" type="screen4x3"/>
   <p:notesSz cx="6858000" cy="9144000"/>
@@ -118,6 +119,7 @@
             <p14:sldId id="257"/>
             <p14:sldId id="258"/>
             <p14:sldId id="259"/>
+            <p14:sldId id="261"/>
           </p14:sldIdLst>
         </p14:section>
       </p14:sectionLst>
@@ -5269,6 +5271,100 @@
     <p:extLst>
       <p:ext uri="{BB962C8B-B14F-4D97-AF65-F5344CB8AC3E}">
         <p14:creationId xmlns:p14="http://schemas.microsoft.com/office/powerpoint/2010/main" val="1301820340"/>
+      </p:ext>
+    </p:extLst>
+  </p:cSld>
+  <p:clrMapOvr>
+    <a:masterClrMapping/>
+  </p:clrMapOvr>
+</p:sld>
+</file>
+
+<file path=ppt/slides/slide6.xml><?xml version="1.0" encoding="utf-8"?>
+<p:sld xmlns:a="http://schemas.openxmlformats.org/drawingml/2006/main" xmlns:r="http://schemas.openxmlformats.org/officeDocument/2006/relationships" xmlns:p="http://schemas.openxmlformats.org/presentationml/2006/main">
+  <p:cSld>
+    <p:spTree>
+      <p:nvGrpSpPr>
+        <p:cNvPr id="1" name=""/>
+        <p:cNvGrpSpPr/>
+        <p:nvPr/>
+      </p:nvGrpSpPr>
+      <p:grpSpPr>
+        <a:xfrm>
+          <a:off x="0" y="0"/>
+          <a:ext cx="0" cy="0"/>
+          <a:chOff x="0" y="0"/>
+          <a:chExt cx="0" cy="0"/>
+        </a:xfrm>
+      </p:grpSpPr>
+      <p:sp>
+        <p:nvSpPr>
+          <p:cNvPr id="2" name="Title 1"/>
+          <p:cNvSpPr>
+            <a:spLocks noGrp="1"/>
+          </p:cNvSpPr>
+          <p:nvPr>
+            <p:ph type="title"/>
+          </p:nvPr>
+        </p:nvSpPr>
+        <p:spPr/>
+        <p:txBody>
+          <a:bodyPr/>
+          <a:lstStyle/>
+          <a:p>
+            <a:r>
+              <a:rPr lang="en-US" dirty="0" smtClean="0"/>
+              <a:t>SPOOKY!!!!!</a:t>
+            </a:r>
+            <a:endParaRPr lang="en-US" dirty="0"/>
+          </a:p>
+        </p:txBody>
+      </p:sp>
+      <p:pic>
+        <p:nvPicPr>
+          <p:cNvPr id="1026" name="Picture 2" descr="File:1281923869157.jpg"/>
+          <p:cNvPicPr>
+            <a:picLocks noChangeAspect="1" noChangeArrowheads="1"/>
+          </p:cNvPicPr>
+          <p:nvPr/>
+        </p:nvPicPr>
+        <p:blipFill>
+          <a:blip r:embed="rId2">
+            <a:extLst>
+              <a:ext uri="{28A0092B-C50C-407E-A947-70E740481C1C}">
+                <a14:useLocalDpi xmlns:a14="http://schemas.microsoft.com/office/drawing/2010/main" val="0"/>
+              </a:ext>
+            </a:extLst>
+          </a:blip>
+          <a:srcRect/>
+          <a:stretch>
+            <a:fillRect/>
+          </a:stretch>
+        </p:blipFill>
+        <p:spPr bwMode="auto">
+          <a:xfrm>
+            <a:off x="1676400" y="1615439"/>
+            <a:ext cx="6070835" cy="5230091"/>
+          </a:xfrm>
+          <a:prstGeom prst="rect">
+            <a:avLst/>
+          </a:prstGeom>
+          <a:noFill/>
+          <a:extLst>
+            <a:ext uri="{909E8E84-426E-40DD-AFC4-6F175D3DCCD1}">
+              <a14:hiddenFill xmlns:a14="http://schemas.microsoft.com/office/drawing/2010/main">
+                <a:solidFill>
+                  <a:srgbClr val="FFFFFF"/>
+                </a:solidFill>
+              </a14:hiddenFill>
+            </a:ext>
+          </a:extLst>
+        </p:spPr>
+      </p:pic>
+    </p:spTree>
+    <p:extLst>
+      <p:ext uri="{BB962C8B-B14F-4D97-AF65-F5344CB8AC3E}">
+        <p14:creationId xmlns:p14="http://schemas.microsoft.com/office/powerpoint/2010/main" val="3812323039"/>
       </p:ext>
     </p:extLst>
   </p:cSld>

--- a/Documents/Embrasure Pitch Presentation.pptx
+++ b/Documents/Embrasure Pitch Presentation.pptx
@@ -254,7 +254,7 @@
             <a:fld id="{1D8BD707-D9CF-40AE-B4C6-C98DA3205C09}" type="datetimeFigureOut">
               <a:rPr lang="en-US" smtClean="0"/>
               <a:pPr/>
-              <a:t>4/10/2014</a:t>
+              <a:t>4/15/2014</a:t>
             </a:fld>
             <a:endParaRPr lang="en-US"/>
           </a:p>
@@ -889,7 +889,7 @@
             <a:fld id="{1D8BD707-D9CF-40AE-B4C6-C98DA3205C09}" type="datetimeFigureOut">
               <a:rPr lang="en-US" smtClean="0"/>
               <a:pPr/>
-              <a:t>4/10/2014</a:t>
+              <a:t>4/15/2014</a:t>
             </a:fld>
             <a:endParaRPr lang="en-US"/>
           </a:p>
@@ -1168,7 +1168,7 @@
             <a:fld id="{1D8BD707-D9CF-40AE-B4C6-C98DA3205C09}" type="datetimeFigureOut">
               <a:rPr lang="en-US" smtClean="0"/>
               <a:pPr/>
-              <a:t>4/10/2014</a:t>
+              <a:t>4/15/2014</a:t>
             </a:fld>
             <a:endParaRPr lang="en-US"/>
           </a:p>
@@ -1335,7 +1335,7 @@
             <a:fld id="{1D8BD707-D9CF-40AE-B4C6-C98DA3205C09}" type="datetimeFigureOut">
               <a:rPr lang="en-US" smtClean="0"/>
               <a:pPr/>
-              <a:t>4/10/2014</a:t>
+              <a:t>4/15/2014</a:t>
             </a:fld>
             <a:endParaRPr lang="en-US"/>
           </a:p>
@@ -1518,7 +1518,7 @@
             <a:fld id="{1D8BD707-D9CF-40AE-B4C6-C98DA3205C09}" type="datetimeFigureOut">
               <a:rPr lang="en-US" smtClean="0"/>
               <a:pPr/>
-              <a:t>4/10/2014</a:t>
+              <a:t>4/15/2014</a:t>
             </a:fld>
             <a:endParaRPr lang="en-US"/>
           </a:p>
@@ -2165,7 +2165,7 @@
             <a:fld id="{1D8BD707-D9CF-40AE-B4C6-C98DA3205C09}" type="datetimeFigureOut">
               <a:rPr lang="en-US" smtClean="0"/>
               <a:pPr/>
-              <a:t>4/10/2014</a:t>
+              <a:t>4/15/2014</a:t>
             </a:fld>
             <a:endParaRPr lang="en-US"/>
           </a:p>
@@ -2593,7 +2593,7 @@
             <a:fld id="{1D8BD707-D9CF-40AE-B4C6-C98DA3205C09}" type="datetimeFigureOut">
               <a:rPr lang="en-US" smtClean="0"/>
               <a:pPr/>
-              <a:t>4/10/2014</a:t>
+              <a:t>4/15/2014</a:t>
             </a:fld>
             <a:endParaRPr lang="en-US"/>
           </a:p>
@@ -2708,7 +2708,7 @@
             <a:fld id="{1D8BD707-D9CF-40AE-B4C6-C98DA3205C09}" type="datetimeFigureOut">
               <a:rPr lang="en-US" smtClean="0"/>
               <a:pPr/>
-              <a:t>4/10/2014</a:t>
+              <a:t>4/15/2014</a:t>
             </a:fld>
             <a:endParaRPr lang="en-US"/>
           </a:p>
@@ -2891,7 +2891,7 @@
             <a:fld id="{1D8BD707-D9CF-40AE-B4C6-C98DA3205C09}" type="datetimeFigureOut">
               <a:rPr lang="en-US" smtClean="0"/>
               <a:pPr/>
-              <a:t>4/10/2014</a:t>
+              <a:t>4/15/2014</a:t>
             </a:fld>
             <a:endParaRPr lang="en-US"/>
           </a:p>
@@ -3159,7 +3159,7 @@
             <a:fld id="{1D8BD707-D9CF-40AE-B4C6-C98DA3205C09}" type="datetimeFigureOut">
               <a:rPr lang="en-US" smtClean="0"/>
               <a:pPr/>
-              <a:t>4/10/2014</a:t>
+              <a:t>4/15/2014</a:t>
             </a:fld>
             <a:endParaRPr lang="en-US"/>
           </a:p>
@@ -3631,7 +3631,7 @@
             <a:fld id="{1D8BD707-D9CF-40AE-B4C6-C98DA3205C09}" type="datetimeFigureOut">
               <a:rPr lang="en-US" smtClean="0"/>
               <a:pPr/>
-              <a:t>4/10/2014</a:t>
+              <a:t>4/15/2014</a:t>
             </a:fld>
             <a:endParaRPr lang="en-US"/>
           </a:p>
@@ -4193,7 +4193,7 @@
             <a:fld id="{1D8BD707-D9CF-40AE-B4C6-C98DA3205C09}" type="datetimeFigureOut">
               <a:rPr lang="en-US" smtClean="0"/>
               <a:pPr/>
-              <a:t>4/10/2014</a:t>
+              <a:t>4/15/2014</a:t>
             </a:fld>
             <a:endParaRPr lang="en-US"/>
           </a:p>
@@ -4961,6 +4961,47 @@
           </a:p>
         </p:txBody>
       </p:sp>
+      <p:pic>
+        <p:nvPicPr>
+          <p:cNvPr id="1027" name="Picture 3" descr="E:\Users\Liam McGhee\Desktop\Ao_Oni_cage.png"/>
+          <p:cNvPicPr>
+            <a:picLocks noChangeAspect="1" noChangeArrowheads="1"/>
+          </p:cNvPicPr>
+          <p:nvPr/>
+        </p:nvPicPr>
+        <p:blipFill>
+          <a:blip r:embed="rId2" cstate="print">
+            <a:extLst>
+              <a:ext uri="{28A0092B-C50C-407E-A947-70E740481C1C}">
+                <a14:useLocalDpi xmlns:a14="http://schemas.microsoft.com/office/drawing/2010/main" val="0"/>
+              </a:ext>
+            </a:extLst>
+          </a:blip>
+          <a:srcRect/>
+          <a:stretch>
+            <a:fillRect/>
+          </a:stretch>
+        </p:blipFill>
+        <p:spPr bwMode="auto">
+          <a:xfrm>
+            <a:off x="5547360" y="4114800"/>
+            <a:ext cx="3048000" cy="2324132"/>
+          </a:xfrm>
+          <a:prstGeom prst="rect">
+            <a:avLst/>
+          </a:prstGeom>
+          <a:noFill/>
+          <a:extLst>
+            <a:ext uri="{909E8E84-426E-40DD-AFC4-6F175D3DCCD1}">
+              <a14:hiddenFill xmlns:a14="http://schemas.microsoft.com/office/drawing/2010/main">
+                <a:solidFill>
+                  <a:srgbClr val="FFFFFF"/>
+                </a:solidFill>
+              </a14:hiddenFill>
+            </a:ext>
+          </a:extLst>
+        </p:spPr>
+      </p:pic>
     </p:spTree>
     <p:extLst>
       <p:ext uri="{BB962C8B-B14F-4D97-AF65-F5344CB8AC3E}">
